--- a/ACO/Ant Colony Optimization.pptx
+++ b/ACO/Ant Colony Optimization.pptx
@@ -15,7 +15,7 @@
     <p:sldId id="264" r:id="rId9"/>
     <p:sldId id="266" r:id="rId10"/>
     <p:sldId id="265" r:id="rId11"/>
-    <p:sldId id="263" r:id="rId12"/>
+    <p:sldId id="270" r:id="rId12"/>
     <p:sldId id="268" r:id="rId13"/>
     <p:sldId id="269" r:id="rId14"/>
   </p:sldIdLst>
@@ -116,6 +116,11 @@
       </a:defRPr>
     </a:lvl9pPr>
   </p:defaultTextStyle>
+  <p:extLst>
+    <p:ext uri="{EFAFB233-063F-42B5-8137-9DF3F51BA10A}">
+      <p15:sldGuideLst xmlns:p15="http://schemas.microsoft.com/office/powerpoint/2012/main"/>
+    </p:ext>
+  </p:extLst>
 </p:presentation>
 </file>
 
@@ -345,7 +350,7 @@
           <a:p>
             <a:fld id="{824A8980-B072-41AE-B4E1-B9A4E900CD01}" type="datetimeFigureOut">
               <a:rPr lang="en-US" smtClean="0"/>
-              <a:t>6/9/2015</a:t>
+              <a:t>6/10/2015</a:t>
             </a:fld>
             <a:endParaRPr lang="en-US"/>
           </a:p>
@@ -553,7 +558,7 @@
           <a:p>
             <a:fld id="{824A8980-B072-41AE-B4E1-B9A4E900CD01}" type="datetimeFigureOut">
               <a:rPr lang="en-US" smtClean="0"/>
-              <a:t>6/9/2015</a:t>
+              <a:t>6/10/2015</a:t>
             </a:fld>
             <a:endParaRPr lang="en-US"/>
           </a:p>
@@ -809,7 +814,7 @@
           <a:p>
             <a:fld id="{824A8980-B072-41AE-B4E1-B9A4E900CD01}" type="datetimeFigureOut">
               <a:rPr lang="en-US" smtClean="0"/>
-              <a:t>6/9/2015</a:t>
+              <a:t>6/10/2015</a:t>
             </a:fld>
             <a:endParaRPr lang="en-US"/>
           </a:p>
@@ -983,7 +988,7 @@
           <a:p>
             <a:fld id="{824A8980-B072-41AE-B4E1-B9A4E900CD01}" type="datetimeFigureOut">
               <a:rPr lang="en-US" smtClean="0"/>
-              <a:t>6/9/2015</a:t>
+              <a:t>6/10/2015</a:t>
             </a:fld>
             <a:endParaRPr lang="en-US"/>
           </a:p>
@@ -1326,7 +1331,7 @@
           <a:p>
             <a:fld id="{824A8980-B072-41AE-B4E1-B9A4E900CD01}" type="datetimeFigureOut">
               <a:rPr lang="en-US" smtClean="0"/>
-              <a:t>6/9/2015</a:t>
+              <a:t>6/10/2015</a:t>
             </a:fld>
             <a:endParaRPr lang="en-US"/>
           </a:p>
@@ -1601,7 +1606,7 @@
           <a:p>
             <a:fld id="{824A8980-B072-41AE-B4E1-B9A4E900CD01}" type="datetimeFigureOut">
               <a:rPr lang="en-US" smtClean="0"/>
-              <a:t>6/9/2015</a:t>
+              <a:t>6/10/2015</a:t>
             </a:fld>
             <a:endParaRPr lang="en-US"/>
           </a:p>
@@ -1980,7 +1985,7 @@
           <a:p>
             <a:fld id="{824A8980-B072-41AE-B4E1-B9A4E900CD01}" type="datetimeFigureOut">
               <a:rPr lang="en-US" smtClean="0"/>
-              <a:t>6/9/2015</a:t>
+              <a:t>6/10/2015</a:t>
             </a:fld>
             <a:endParaRPr lang="en-US"/>
           </a:p>
@@ -2098,7 +2103,7 @@
           <a:p>
             <a:fld id="{824A8980-B072-41AE-B4E1-B9A4E900CD01}" type="datetimeFigureOut">
               <a:rPr lang="en-US" smtClean="0"/>
-              <a:t>6/9/2015</a:t>
+              <a:t>6/10/2015</a:t>
             </a:fld>
             <a:endParaRPr lang="en-US"/>
           </a:p>
@@ -2269,7 +2274,7 @@
           <a:p>
             <a:fld id="{824A8980-B072-41AE-B4E1-B9A4E900CD01}" type="datetimeFigureOut">
               <a:rPr lang="en-US" smtClean="0"/>
-              <a:t>6/9/2015</a:t>
+              <a:t>6/10/2015</a:t>
             </a:fld>
             <a:endParaRPr lang="en-US"/>
           </a:p>
@@ -2623,7 +2628,7 @@
           <a:p>
             <a:fld id="{824A8980-B072-41AE-B4E1-B9A4E900CD01}" type="datetimeFigureOut">
               <a:rPr lang="en-US" smtClean="0"/>
-              <a:t>6/9/2015</a:t>
+              <a:t>6/10/2015</a:t>
             </a:fld>
             <a:endParaRPr lang="en-US"/>
           </a:p>
@@ -3005,7 +3010,7 @@
           <a:p>
             <a:fld id="{824A8980-B072-41AE-B4E1-B9A4E900CD01}" type="datetimeFigureOut">
               <a:rPr lang="en-US" smtClean="0"/>
-              <a:t>6/9/2015</a:t>
+              <a:t>6/10/2015</a:t>
             </a:fld>
             <a:endParaRPr lang="en-US"/>
           </a:p>
@@ -3292,7 +3297,7 @@
           <a:p>
             <a:fld id="{824A8980-B072-41AE-B4E1-B9A4E900CD01}" type="datetimeFigureOut">
               <a:rPr lang="en-US" smtClean="0"/>
-              <a:t>6/9/2015</a:t>
+              <a:t>6/10/2015</a:t>
             </a:fld>
             <a:endParaRPr lang="en-US"/>
           </a:p>
@@ -4104,8 +4109,8 @@
           </a:p>
         </p:txBody>
       </p:sp>
-      <mc:AlternateContent xmlns:mc="http://schemas.openxmlformats.org/markup-compatibility/2006">
-        <mc:Choice xmlns:a14="http://schemas.microsoft.com/office/drawing/2010/main" Requires="a14">
+      <mc:AlternateContent xmlns:mc="http://schemas.openxmlformats.org/markup-compatibility/2006" xmlns:a14="http://schemas.microsoft.com/office/drawing/2010/main">
+        <mc:Choice Requires="a14">
           <p:sp>
             <p:nvSpPr>
               <p:cNvPr id="3" name="Content Placeholder 2"/>
@@ -4324,7 +4329,7 @@
             </p:txBody>
           </p:sp>
         </mc:Choice>
-        <mc:Fallback>
+        <mc:Fallback xmlns="">
           <p:sp>
             <p:nvSpPr>
               <p:cNvPr id="3" name="Content Placeholder 2"/>
@@ -4361,7 +4366,7 @@
     </p:spTree>
     <p:extLst>
       <p:ext uri="{BB962C8B-B14F-4D97-AF65-F5344CB8AC3E}">
-        <p14:creationId xmlns:p14="http://schemas.microsoft.com/office/powerpoint/2010/main" val="3781211719"/>
+        <p14:creationId xmlns:p14="http://schemas.microsoft.com/office/powerpoint/2010/main" val="655269970"/>
       </p:ext>
     </p:extLst>
   </p:cSld>
@@ -4412,63 +4417,398 @@
           <a:p>
             <a:r>
               <a:rPr lang="pt-BR" dirty="0" smtClean="0"/>
-              <a:t>Resultados</a:t>
+              <a:t>Resultados - Experimentos</a:t>
             </a:r>
             <a:endParaRPr lang="en-US" dirty="0"/>
           </a:p>
         </p:txBody>
       </p:sp>
-      <p:sp>
-        <p:nvSpPr>
-          <p:cNvPr id="3" name="Content Placeholder 2"/>
-          <p:cNvSpPr>
-            <a:spLocks noGrp="1"/>
-          </p:cNvSpPr>
-          <p:nvPr>
-            <p:ph idx="1"/>
-          </p:nvPr>
-        </p:nvSpPr>
-        <p:spPr/>
-        <p:txBody>
-          <a:bodyPr/>
-          <a:lstStyle/>
-          <a:p>
-            <a:pPr lvl="1">
-              <a:buFont typeface="Arial" panose="020B0604020202020204" pitchFamily="34" charset="0"/>
-              <a:buChar char="•"/>
-            </a:pPr>
-            <a:endParaRPr lang="pt-BR" sz="3000" dirty="0" smtClean="0"/>
-          </a:p>
-          <a:p>
-            <a:pPr lvl="1">
-              <a:buFont typeface="Arial" panose="020B0604020202020204" pitchFamily="34" charset="0"/>
-              <a:buChar char="•"/>
-            </a:pPr>
-            <a:endParaRPr lang="pt-BR" sz="3000" dirty="0" smtClean="0"/>
-          </a:p>
-          <a:p>
-            <a:pPr lvl="1">
-              <a:buFont typeface="Arial" panose="020B0604020202020204" pitchFamily="34" charset="0"/>
-              <a:buChar char="•"/>
-            </a:pPr>
-            <a:endParaRPr lang="pt-BR" sz="2600" dirty="0" smtClean="0"/>
-          </a:p>
-          <a:p>
-            <a:pPr lvl="1">
-              <a:buFont typeface="Arial" panose="020B0604020202020204" pitchFamily="34" charset="0"/>
-              <a:buChar char="•"/>
-            </a:pPr>
-            <a:endParaRPr lang="pt-BR" sz="3000" dirty="0" smtClean="0"/>
-          </a:p>
-          <a:p>
-            <a:pPr lvl="1">
-              <a:buFont typeface="Arial" panose="020B0604020202020204" pitchFamily="34" charset="0"/>
-              <a:buChar char="•"/>
-            </a:pPr>
-            <a:endParaRPr lang="en-US" sz="3000" dirty="0"/>
-          </a:p>
-        </p:txBody>
-      </p:sp>
+      <mc:AlternateContent xmlns:mc="http://schemas.openxmlformats.org/markup-compatibility/2006">
+        <mc:Choice xmlns:a14="http://schemas.microsoft.com/office/drawing/2010/main" Requires="a14">
+          <p:sp>
+            <p:nvSpPr>
+              <p:cNvPr id="3" name="Content Placeholder 2"/>
+              <p:cNvSpPr>
+                <a:spLocks noGrp="1"/>
+              </p:cNvSpPr>
+              <p:nvPr>
+                <p:ph idx="1"/>
+              </p:nvPr>
+            </p:nvSpPr>
+            <p:spPr/>
+            <p:txBody>
+              <a:bodyPr/>
+              <a:lstStyle/>
+              <a:p>
+                <a:pPr lvl="1">
+                  <a:buFont typeface="Arial" panose="020B0604020202020204" pitchFamily="34" charset="0"/>
+                  <a:buChar char="•"/>
+                </a:pPr>
+                <a:r>
+                  <a:rPr lang="pt-BR" sz="3000" dirty="0" smtClean="0"/>
+                  <a:t>1º: Valores base</a:t>
+                </a:r>
+              </a:p>
+              <a:p>
+                <a:pPr lvl="1">
+                  <a:buFont typeface="Arial" panose="020B0604020202020204" pitchFamily="34" charset="0"/>
+                  <a:buChar char="•"/>
+                </a:pPr>
+                <a:r>
+                  <a:rPr lang="pt-BR" sz="3000" dirty="0" smtClean="0"/>
+                  <a:t>2º: </a:t>
+                </a:r>
+                <a:r>
+                  <a:rPr lang="pt-BR" sz="3000" dirty="0" err="1" smtClean="0"/>
+                  <a:t>Feromônio</a:t>
+                </a:r>
+                <a:r>
+                  <a:rPr lang="pt-BR" sz="3000" dirty="0" smtClean="0"/>
+                  <a:t> inicial = </a:t>
+                </a:r>
+                <a14:m>
+                  <m:oMath xmlns:m="http://schemas.openxmlformats.org/officeDocument/2006/math">
+                    <m:sSup>
+                      <m:sSupPr>
+                        <m:ctrlPr>
+                          <a:rPr lang="pt-BR" sz="3000" i="1" smtClean="0">
+                            <a:latin typeface="Cambria Math" panose="02040503050406030204" pitchFamily="18" charset="0"/>
+                          </a:rPr>
+                        </m:ctrlPr>
+                      </m:sSupPr>
+                      <m:e>
+                        <m:r>
+                          <a:rPr lang="pt-BR" sz="3000" b="0" i="1" smtClean="0">
+                            <a:latin typeface="Cambria Math" panose="02040503050406030204" pitchFamily="18" charset="0"/>
+                          </a:rPr>
+                          <m:t>10</m:t>
+                        </m:r>
+                      </m:e>
+                      <m:sup>
+                        <m:r>
+                          <a:rPr lang="pt-BR" sz="3000" b="0" i="1" smtClean="0">
+                            <a:latin typeface="Cambria Math" panose="02040503050406030204" pitchFamily="18" charset="0"/>
+                          </a:rPr>
+                          <m:t>−1</m:t>
+                        </m:r>
+                      </m:sup>
+                    </m:sSup>
+                  </m:oMath>
+                </a14:m>
+                <a:endParaRPr lang="pt-BR" sz="3000" dirty="0"/>
+              </a:p>
+              <a:p>
+                <a:pPr lvl="1">
+                  <a:buFont typeface="Arial" panose="020B0604020202020204" pitchFamily="34" charset="0"/>
+                  <a:buChar char="•"/>
+                </a:pPr>
+                <a:r>
+                  <a:rPr lang="pt-BR" sz="3000" dirty="0" smtClean="0"/>
+                  <a:t>3º: Número </a:t>
+                </a:r>
+                <a:r>
+                  <a:rPr lang="pt-BR" sz="3000" dirty="0"/>
+                  <a:t>de formigas </a:t>
+                </a:r>
+                <a:r>
+                  <a:rPr lang="pt-BR" sz="3000" dirty="0" smtClean="0"/>
+                  <a:t>= 15</a:t>
+                </a:r>
+                <a:endParaRPr lang="pt-BR" sz="3000" dirty="0"/>
+              </a:p>
+              <a:p>
+                <a:pPr lvl="1">
+                  <a:buFont typeface="Arial" panose="020B0604020202020204" pitchFamily="34" charset="0"/>
+                  <a:buChar char="•"/>
+                </a:pPr>
+                <a:r>
+                  <a:rPr lang="pt-BR" sz="3000" dirty="0" smtClean="0"/>
+                  <a:t>4º: Número </a:t>
+                </a:r>
+                <a:r>
+                  <a:rPr lang="pt-BR" sz="3000" dirty="0"/>
+                  <a:t>de </a:t>
+                </a:r>
+                <a:r>
+                  <a:rPr lang="pt-BR" sz="3000" dirty="0" smtClean="0"/>
+                  <a:t>janelas = 40</a:t>
+                </a:r>
+              </a:p>
+              <a:p>
+                <a:pPr lvl="1">
+                  <a:buFont typeface="Arial" panose="020B0604020202020204" pitchFamily="34" charset="0"/>
+                  <a:buChar char="•"/>
+                </a:pPr>
+                <a:r>
+                  <a:rPr lang="pt-BR" sz="3000" dirty="0" smtClean="0"/>
+                  <a:t>5º: </a:t>
+                </a:r>
+                <a:r>
+                  <a:rPr lang="pt-BR" sz="3000" dirty="0"/>
+                  <a:t>Taxa de </a:t>
+                </a:r>
+                <a:r>
+                  <a:rPr lang="pt-BR" sz="3000" dirty="0" smtClean="0"/>
+                  <a:t>mutação = 0.1</a:t>
+                </a:r>
+              </a:p>
+              <a:p>
+                <a:pPr lvl="1">
+                  <a:buFont typeface="Arial" panose="020B0604020202020204" pitchFamily="34" charset="0"/>
+                  <a:buChar char="•"/>
+                </a:pPr>
+                <a:r>
+                  <a:rPr lang="pt-BR" sz="3000" dirty="0" smtClean="0"/>
+                  <a:t>6º: Taxa </a:t>
+                </a:r>
+                <a:r>
+                  <a:rPr lang="pt-BR" sz="3000" dirty="0"/>
+                  <a:t>de evaporação </a:t>
+                </a:r>
+                <a:r>
+                  <a:rPr lang="pt-BR" sz="3000" dirty="0" smtClean="0"/>
+                  <a:t>= 0.3</a:t>
+                </a:r>
+                <a:endParaRPr lang="pt-BR" sz="3000" dirty="0" smtClean="0"/>
+              </a:p>
+              <a:p>
+                <a:pPr lvl="1">
+                  <a:buFont typeface="Arial" panose="020B0604020202020204" pitchFamily="34" charset="0"/>
+                  <a:buChar char="•"/>
+                </a:pPr>
+                <a:endParaRPr lang="pt-BR" sz="2600" dirty="0" smtClean="0"/>
+              </a:p>
+              <a:p>
+                <a:pPr lvl="1">
+                  <a:buFont typeface="Arial" panose="020B0604020202020204" pitchFamily="34" charset="0"/>
+                  <a:buChar char="•"/>
+                </a:pPr>
+                <a:endParaRPr lang="pt-BR" sz="3000" dirty="0" smtClean="0"/>
+              </a:p>
+              <a:p>
+                <a:pPr lvl="1">
+                  <a:buFont typeface="Arial" panose="020B0604020202020204" pitchFamily="34" charset="0"/>
+                  <a:buChar char="•"/>
+                </a:pPr>
+                <a:endParaRPr lang="en-US" sz="3000" dirty="0"/>
+              </a:p>
+            </p:txBody>
+          </p:sp>
+        </mc:Choice>
+        <mc:Fallback>
+          <p:sp>
+            <p:nvSpPr>
+              <p:cNvPr id="3" name="Content Placeholder 2"/>
+              <p:cNvSpPr>
+                <a:spLocks noGrp="1" noRot="1" noChangeAspect="1" noMove="1" noResize="1" noEditPoints="1" noAdjustHandles="1" noChangeArrowheads="1" noChangeShapeType="1" noTextEdit="1"/>
+              </p:cNvSpPr>
+              <p:nvPr>
+                <p:ph idx="1"/>
+              </p:nvPr>
+            </p:nvSpPr>
+            <p:spPr>
+              <a:blipFill rotWithShape="0">
+                <a:blip r:embed="rId2"/>
+                <a:stretch>
+                  <a:fillRect l="-121" t="-3030"/>
+                </a:stretch>
+              </a:blipFill>
+            </p:spPr>
+            <p:txBody>
+              <a:bodyPr/>
+              <a:lstStyle/>
+              <a:p>
+                <a:r>
+                  <a:rPr lang="en-US">
+                    <a:noFill/>
+                  </a:rPr>
+                  <a:t> </a:t>
+                </a:r>
+              </a:p>
+            </p:txBody>
+          </p:sp>
+        </mc:Fallback>
+      </mc:AlternateContent>
+      <p:pic>
+        <p:nvPicPr>
+          <p:cNvPr id="6" name="Picture 5"/>
+          <p:cNvPicPr>
+            <a:picLocks noChangeAspect="1"/>
+          </p:cNvPicPr>
+          <p:nvPr/>
+        </p:nvPicPr>
+        <p:blipFill>
+          <a:blip r:embed="rId3">
+            <a:extLst>
+              <a:ext uri="{28A0092B-C50C-407E-A947-70E740481C1C}">
+                <a14:useLocalDpi xmlns:a14="http://schemas.microsoft.com/office/drawing/2010/main" val="0"/>
+              </a:ext>
+            </a:extLst>
+          </a:blip>
+          <a:stretch>
+            <a:fillRect/>
+          </a:stretch>
+        </p:blipFill>
+        <p:spPr>
+          <a:xfrm>
+            <a:off x="6301323" y="1857414"/>
+            <a:ext cx="5333333" cy="4000000"/>
+          </a:xfrm>
+          <a:prstGeom prst="rect">
+            <a:avLst/>
+          </a:prstGeom>
+        </p:spPr>
+      </p:pic>
+      <p:pic>
+        <p:nvPicPr>
+          <p:cNvPr id="8" name="Picture 7"/>
+          <p:cNvPicPr>
+            <a:picLocks noChangeAspect="1"/>
+          </p:cNvPicPr>
+          <p:nvPr/>
+        </p:nvPicPr>
+        <p:blipFill>
+          <a:blip r:embed="rId4">
+            <a:extLst>
+              <a:ext uri="{28A0092B-C50C-407E-A947-70E740481C1C}">
+                <a14:useLocalDpi xmlns:a14="http://schemas.microsoft.com/office/drawing/2010/main" val="0"/>
+              </a:ext>
+            </a:extLst>
+          </a:blip>
+          <a:stretch>
+            <a:fillRect/>
+          </a:stretch>
+        </p:blipFill>
+        <p:spPr>
+          <a:xfrm>
+            <a:off x="6301322" y="1880774"/>
+            <a:ext cx="5333333" cy="4000000"/>
+          </a:xfrm>
+          <a:prstGeom prst="rect">
+            <a:avLst/>
+          </a:prstGeom>
+        </p:spPr>
+      </p:pic>
+      <p:pic>
+        <p:nvPicPr>
+          <p:cNvPr id="9" name="Picture 8"/>
+          <p:cNvPicPr>
+            <a:picLocks noChangeAspect="1"/>
+          </p:cNvPicPr>
+          <p:nvPr/>
+        </p:nvPicPr>
+        <p:blipFill>
+          <a:blip r:embed="rId5">
+            <a:extLst>
+              <a:ext uri="{28A0092B-C50C-407E-A947-70E740481C1C}">
+                <a14:useLocalDpi xmlns:a14="http://schemas.microsoft.com/office/drawing/2010/main" val="0"/>
+              </a:ext>
+            </a:extLst>
+          </a:blip>
+          <a:stretch>
+            <a:fillRect/>
+          </a:stretch>
+        </p:blipFill>
+        <p:spPr>
+          <a:xfrm>
+            <a:off x="6301322" y="1915814"/>
+            <a:ext cx="5333333" cy="4000000"/>
+          </a:xfrm>
+          <a:prstGeom prst="rect">
+            <a:avLst/>
+          </a:prstGeom>
+        </p:spPr>
+      </p:pic>
+      <p:pic>
+        <p:nvPicPr>
+          <p:cNvPr id="10" name="Picture 9"/>
+          <p:cNvPicPr>
+            <a:picLocks noChangeAspect="1"/>
+          </p:cNvPicPr>
+          <p:nvPr/>
+        </p:nvPicPr>
+        <p:blipFill>
+          <a:blip r:embed="rId6">
+            <a:extLst>
+              <a:ext uri="{28A0092B-C50C-407E-A947-70E740481C1C}">
+                <a14:useLocalDpi xmlns:a14="http://schemas.microsoft.com/office/drawing/2010/main" val="0"/>
+              </a:ext>
+            </a:extLst>
+          </a:blip>
+          <a:stretch>
+            <a:fillRect/>
+          </a:stretch>
+        </p:blipFill>
+        <p:spPr>
+          <a:xfrm>
+            <a:off x="6301322" y="1950854"/>
+            <a:ext cx="5333333" cy="4000000"/>
+          </a:xfrm>
+          <a:prstGeom prst="rect">
+            <a:avLst/>
+          </a:prstGeom>
+        </p:spPr>
+      </p:pic>
+      <p:pic>
+        <p:nvPicPr>
+          <p:cNvPr id="11" name="Picture 10"/>
+          <p:cNvPicPr>
+            <a:picLocks noChangeAspect="1"/>
+          </p:cNvPicPr>
+          <p:nvPr/>
+        </p:nvPicPr>
+        <p:blipFill>
+          <a:blip r:embed="rId7">
+            <a:extLst>
+              <a:ext uri="{28A0092B-C50C-407E-A947-70E740481C1C}">
+                <a14:useLocalDpi xmlns:a14="http://schemas.microsoft.com/office/drawing/2010/main" val="0"/>
+              </a:ext>
+            </a:extLst>
+          </a:blip>
+          <a:stretch>
+            <a:fillRect/>
+          </a:stretch>
+        </p:blipFill>
+        <p:spPr>
+          <a:xfrm>
+            <a:off x="6301322" y="1985894"/>
+            <a:ext cx="5333333" cy="4000000"/>
+          </a:xfrm>
+          <a:prstGeom prst="rect">
+            <a:avLst/>
+          </a:prstGeom>
+        </p:spPr>
+      </p:pic>
+      <p:pic>
+        <p:nvPicPr>
+          <p:cNvPr id="12" name="Picture 11"/>
+          <p:cNvPicPr>
+            <a:picLocks noChangeAspect="1"/>
+          </p:cNvPicPr>
+          <p:nvPr/>
+        </p:nvPicPr>
+        <p:blipFill>
+          <a:blip r:embed="rId8">
+            <a:extLst>
+              <a:ext uri="{28A0092B-C50C-407E-A947-70E740481C1C}">
+                <a14:useLocalDpi xmlns:a14="http://schemas.microsoft.com/office/drawing/2010/main" val="0"/>
+              </a:ext>
+            </a:extLst>
+          </a:blip>
+          <a:stretch>
+            <a:fillRect/>
+          </a:stretch>
+        </p:blipFill>
+        <p:spPr>
+          <a:xfrm>
+            <a:off x="6301322" y="2020934"/>
+            <a:ext cx="5333333" cy="4000000"/>
+          </a:xfrm>
+          <a:prstGeom prst="rect">
+            <a:avLst/>
+          </a:prstGeom>
+        </p:spPr>
+      </p:pic>
     </p:spTree>
     <p:extLst>
       <p:ext uri="{BB962C8B-B14F-4D97-AF65-F5344CB8AC3E}">
@@ -4482,7 +4822,1086 @@
   <p:timing>
     <p:tnLst>
       <p:par>
-        <p:cTn id="1" dur="indefinite" restart="never" nodeType="tmRoot"/>
+        <p:cTn id="1" dur="indefinite" restart="never" nodeType="tmRoot">
+          <p:childTnLst>
+            <p:seq concurrent="1" nextAc="seek">
+              <p:cTn id="2" dur="indefinite" nodeType="mainSeq">
+                <p:childTnLst>
+                  <p:par>
+                    <p:cTn id="3" fill="hold">
+                      <p:stCondLst>
+                        <p:cond delay="indefinite"/>
+                      </p:stCondLst>
+                      <p:childTnLst>
+                        <p:par>
+                          <p:cTn id="4" fill="hold">
+                            <p:stCondLst>
+                              <p:cond delay="0"/>
+                            </p:stCondLst>
+                            <p:childTnLst>
+                              <p:par>
+                                <p:cTn id="5" presetID="2" presetClass="entr" presetSubtype="4" fill="hold" nodeType="clickEffect">
+                                  <p:stCondLst>
+                                    <p:cond delay="0"/>
+                                  </p:stCondLst>
+                                  <p:childTnLst>
+                                    <p:set>
+                                      <p:cBhvr>
+                                        <p:cTn id="6" dur="1" fill="hold">
+                                          <p:stCondLst>
+                                            <p:cond delay="0"/>
+                                          </p:stCondLst>
+                                        </p:cTn>
+                                        <p:tgtEl>
+                                          <p:spTgt spid="3">
+                                            <p:txEl>
+                                              <p:pRg st="0" end="0"/>
+                                            </p:txEl>
+                                          </p:spTgt>
+                                        </p:tgtEl>
+                                        <p:attrNameLst>
+                                          <p:attrName>style.visibility</p:attrName>
+                                        </p:attrNameLst>
+                                      </p:cBhvr>
+                                      <p:to>
+                                        <p:strVal val="visible"/>
+                                      </p:to>
+                                    </p:set>
+                                    <p:anim calcmode="lin" valueType="num">
+                                      <p:cBhvr additive="base">
+                                        <p:cTn id="7" dur="500" fill="hold"/>
+                                        <p:tgtEl>
+                                          <p:spTgt spid="3">
+                                            <p:txEl>
+                                              <p:pRg st="0" end="0"/>
+                                            </p:txEl>
+                                          </p:spTgt>
+                                        </p:tgtEl>
+                                        <p:attrNameLst>
+                                          <p:attrName>ppt_x</p:attrName>
+                                        </p:attrNameLst>
+                                      </p:cBhvr>
+                                      <p:tavLst>
+                                        <p:tav tm="0">
+                                          <p:val>
+                                            <p:strVal val="#ppt_x"/>
+                                          </p:val>
+                                        </p:tav>
+                                        <p:tav tm="100000">
+                                          <p:val>
+                                            <p:strVal val="#ppt_x"/>
+                                          </p:val>
+                                        </p:tav>
+                                      </p:tavLst>
+                                    </p:anim>
+                                    <p:anim calcmode="lin" valueType="num">
+                                      <p:cBhvr additive="base">
+                                        <p:cTn id="8" dur="500" fill="hold"/>
+                                        <p:tgtEl>
+                                          <p:spTgt spid="3">
+                                            <p:txEl>
+                                              <p:pRg st="0" end="0"/>
+                                            </p:txEl>
+                                          </p:spTgt>
+                                        </p:tgtEl>
+                                        <p:attrNameLst>
+                                          <p:attrName>ppt_y</p:attrName>
+                                        </p:attrNameLst>
+                                      </p:cBhvr>
+                                      <p:tavLst>
+                                        <p:tav tm="0">
+                                          <p:val>
+                                            <p:strVal val="1+#ppt_h/2"/>
+                                          </p:val>
+                                        </p:tav>
+                                        <p:tav tm="100000">
+                                          <p:val>
+                                            <p:strVal val="#ppt_y"/>
+                                          </p:val>
+                                        </p:tav>
+                                      </p:tavLst>
+                                    </p:anim>
+                                  </p:childTnLst>
+                                </p:cTn>
+                              </p:par>
+                              <p:par>
+                                <p:cTn id="9" presetID="2" presetClass="entr" presetSubtype="4" fill="hold" nodeType="withEffect">
+                                  <p:stCondLst>
+                                    <p:cond delay="0"/>
+                                  </p:stCondLst>
+                                  <p:childTnLst>
+                                    <p:set>
+                                      <p:cBhvr>
+                                        <p:cTn id="10" dur="1" fill="hold">
+                                          <p:stCondLst>
+                                            <p:cond delay="0"/>
+                                          </p:stCondLst>
+                                        </p:cTn>
+                                        <p:tgtEl>
+                                          <p:spTgt spid="6"/>
+                                        </p:tgtEl>
+                                        <p:attrNameLst>
+                                          <p:attrName>style.visibility</p:attrName>
+                                        </p:attrNameLst>
+                                      </p:cBhvr>
+                                      <p:to>
+                                        <p:strVal val="visible"/>
+                                      </p:to>
+                                    </p:set>
+                                    <p:anim calcmode="lin" valueType="num">
+                                      <p:cBhvr additive="base">
+                                        <p:cTn id="11" dur="500" fill="hold"/>
+                                        <p:tgtEl>
+                                          <p:spTgt spid="6"/>
+                                        </p:tgtEl>
+                                        <p:attrNameLst>
+                                          <p:attrName>ppt_x</p:attrName>
+                                        </p:attrNameLst>
+                                      </p:cBhvr>
+                                      <p:tavLst>
+                                        <p:tav tm="0">
+                                          <p:val>
+                                            <p:strVal val="#ppt_x"/>
+                                          </p:val>
+                                        </p:tav>
+                                        <p:tav tm="100000">
+                                          <p:val>
+                                            <p:strVal val="#ppt_x"/>
+                                          </p:val>
+                                        </p:tav>
+                                      </p:tavLst>
+                                    </p:anim>
+                                    <p:anim calcmode="lin" valueType="num">
+                                      <p:cBhvr additive="base">
+                                        <p:cTn id="12" dur="500" fill="hold"/>
+                                        <p:tgtEl>
+                                          <p:spTgt spid="6"/>
+                                        </p:tgtEl>
+                                        <p:attrNameLst>
+                                          <p:attrName>ppt_y</p:attrName>
+                                        </p:attrNameLst>
+                                      </p:cBhvr>
+                                      <p:tavLst>
+                                        <p:tav tm="0">
+                                          <p:val>
+                                            <p:strVal val="1+#ppt_h/2"/>
+                                          </p:val>
+                                        </p:tav>
+                                        <p:tav tm="100000">
+                                          <p:val>
+                                            <p:strVal val="#ppt_y"/>
+                                          </p:val>
+                                        </p:tav>
+                                      </p:tavLst>
+                                    </p:anim>
+                                  </p:childTnLst>
+                                </p:cTn>
+                              </p:par>
+                            </p:childTnLst>
+                          </p:cTn>
+                        </p:par>
+                      </p:childTnLst>
+                    </p:cTn>
+                  </p:par>
+                  <p:par>
+                    <p:cTn id="13" fill="hold">
+                      <p:stCondLst>
+                        <p:cond delay="indefinite"/>
+                      </p:stCondLst>
+                      <p:childTnLst>
+                        <p:par>
+                          <p:cTn id="14" fill="hold">
+                            <p:stCondLst>
+                              <p:cond delay="0"/>
+                            </p:stCondLst>
+                            <p:childTnLst>
+                              <p:par>
+                                <p:cTn id="15" presetID="2" presetClass="entr" presetSubtype="4" fill="hold" nodeType="clickEffect">
+                                  <p:stCondLst>
+                                    <p:cond delay="0"/>
+                                  </p:stCondLst>
+                                  <p:childTnLst>
+                                    <p:set>
+                                      <p:cBhvr>
+                                        <p:cTn id="16" dur="1" fill="hold">
+                                          <p:stCondLst>
+                                            <p:cond delay="0"/>
+                                          </p:stCondLst>
+                                        </p:cTn>
+                                        <p:tgtEl>
+                                          <p:spTgt spid="3">
+                                            <p:txEl>
+                                              <p:pRg st="1" end="1"/>
+                                            </p:txEl>
+                                          </p:spTgt>
+                                        </p:tgtEl>
+                                        <p:attrNameLst>
+                                          <p:attrName>style.visibility</p:attrName>
+                                        </p:attrNameLst>
+                                      </p:cBhvr>
+                                      <p:to>
+                                        <p:strVal val="visible"/>
+                                      </p:to>
+                                    </p:set>
+                                    <p:anim calcmode="lin" valueType="num">
+                                      <p:cBhvr additive="base">
+                                        <p:cTn id="17" dur="500" fill="hold"/>
+                                        <p:tgtEl>
+                                          <p:spTgt spid="3">
+                                            <p:txEl>
+                                              <p:pRg st="1" end="1"/>
+                                            </p:txEl>
+                                          </p:spTgt>
+                                        </p:tgtEl>
+                                        <p:attrNameLst>
+                                          <p:attrName>ppt_x</p:attrName>
+                                        </p:attrNameLst>
+                                      </p:cBhvr>
+                                      <p:tavLst>
+                                        <p:tav tm="0">
+                                          <p:val>
+                                            <p:strVal val="#ppt_x"/>
+                                          </p:val>
+                                        </p:tav>
+                                        <p:tav tm="100000">
+                                          <p:val>
+                                            <p:strVal val="#ppt_x"/>
+                                          </p:val>
+                                        </p:tav>
+                                      </p:tavLst>
+                                    </p:anim>
+                                    <p:anim calcmode="lin" valueType="num">
+                                      <p:cBhvr additive="base">
+                                        <p:cTn id="18" dur="500" fill="hold"/>
+                                        <p:tgtEl>
+                                          <p:spTgt spid="3">
+                                            <p:txEl>
+                                              <p:pRg st="1" end="1"/>
+                                            </p:txEl>
+                                          </p:spTgt>
+                                        </p:tgtEl>
+                                        <p:attrNameLst>
+                                          <p:attrName>ppt_y</p:attrName>
+                                        </p:attrNameLst>
+                                      </p:cBhvr>
+                                      <p:tavLst>
+                                        <p:tav tm="0">
+                                          <p:val>
+                                            <p:strVal val="1+#ppt_h/2"/>
+                                          </p:val>
+                                        </p:tav>
+                                        <p:tav tm="100000">
+                                          <p:val>
+                                            <p:strVal val="#ppt_y"/>
+                                          </p:val>
+                                        </p:tav>
+                                      </p:tavLst>
+                                    </p:anim>
+                                  </p:childTnLst>
+                                </p:cTn>
+                              </p:par>
+                              <p:par>
+                                <p:cTn id="19" presetID="2" presetClass="entr" presetSubtype="4" fill="hold" nodeType="withEffect">
+                                  <p:stCondLst>
+                                    <p:cond delay="0"/>
+                                  </p:stCondLst>
+                                  <p:childTnLst>
+                                    <p:set>
+                                      <p:cBhvr>
+                                        <p:cTn id="20" dur="1" fill="hold">
+                                          <p:stCondLst>
+                                            <p:cond delay="0"/>
+                                          </p:stCondLst>
+                                        </p:cTn>
+                                        <p:tgtEl>
+                                          <p:spTgt spid="8"/>
+                                        </p:tgtEl>
+                                        <p:attrNameLst>
+                                          <p:attrName>style.visibility</p:attrName>
+                                        </p:attrNameLst>
+                                      </p:cBhvr>
+                                      <p:to>
+                                        <p:strVal val="visible"/>
+                                      </p:to>
+                                    </p:set>
+                                    <p:anim calcmode="lin" valueType="num">
+                                      <p:cBhvr additive="base">
+                                        <p:cTn id="21" dur="500" fill="hold"/>
+                                        <p:tgtEl>
+                                          <p:spTgt spid="8"/>
+                                        </p:tgtEl>
+                                        <p:attrNameLst>
+                                          <p:attrName>ppt_x</p:attrName>
+                                        </p:attrNameLst>
+                                      </p:cBhvr>
+                                      <p:tavLst>
+                                        <p:tav tm="0">
+                                          <p:val>
+                                            <p:strVal val="#ppt_x"/>
+                                          </p:val>
+                                        </p:tav>
+                                        <p:tav tm="100000">
+                                          <p:val>
+                                            <p:strVal val="#ppt_x"/>
+                                          </p:val>
+                                        </p:tav>
+                                      </p:tavLst>
+                                    </p:anim>
+                                    <p:anim calcmode="lin" valueType="num">
+                                      <p:cBhvr additive="base">
+                                        <p:cTn id="22" dur="500" fill="hold"/>
+                                        <p:tgtEl>
+                                          <p:spTgt spid="8"/>
+                                        </p:tgtEl>
+                                        <p:attrNameLst>
+                                          <p:attrName>ppt_y</p:attrName>
+                                        </p:attrNameLst>
+                                      </p:cBhvr>
+                                      <p:tavLst>
+                                        <p:tav tm="0">
+                                          <p:val>
+                                            <p:strVal val="1+#ppt_h/2"/>
+                                          </p:val>
+                                        </p:tav>
+                                        <p:tav tm="100000">
+                                          <p:val>
+                                            <p:strVal val="#ppt_y"/>
+                                          </p:val>
+                                        </p:tav>
+                                      </p:tavLst>
+                                    </p:anim>
+                                  </p:childTnLst>
+                                </p:cTn>
+                              </p:par>
+                            </p:childTnLst>
+                          </p:cTn>
+                        </p:par>
+                      </p:childTnLst>
+                    </p:cTn>
+                  </p:par>
+                  <p:par>
+                    <p:cTn id="23" fill="hold">
+                      <p:stCondLst>
+                        <p:cond delay="indefinite"/>
+                      </p:stCondLst>
+                      <p:childTnLst>
+                        <p:par>
+                          <p:cTn id="24" fill="hold">
+                            <p:stCondLst>
+                              <p:cond delay="0"/>
+                            </p:stCondLst>
+                            <p:childTnLst>
+                              <p:par>
+                                <p:cTn id="25" presetID="2" presetClass="entr" presetSubtype="4" fill="hold" nodeType="clickEffect">
+                                  <p:stCondLst>
+                                    <p:cond delay="0"/>
+                                  </p:stCondLst>
+                                  <p:childTnLst>
+                                    <p:set>
+                                      <p:cBhvr>
+                                        <p:cTn id="26" dur="1" fill="hold">
+                                          <p:stCondLst>
+                                            <p:cond delay="0"/>
+                                          </p:stCondLst>
+                                        </p:cTn>
+                                        <p:tgtEl>
+                                          <p:spTgt spid="3">
+                                            <p:txEl>
+                                              <p:pRg st="2" end="2"/>
+                                            </p:txEl>
+                                          </p:spTgt>
+                                        </p:tgtEl>
+                                        <p:attrNameLst>
+                                          <p:attrName>style.visibility</p:attrName>
+                                        </p:attrNameLst>
+                                      </p:cBhvr>
+                                      <p:to>
+                                        <p:strVal val="visible"/>
+                                      </p:to>
+                                    </p:set>
+                                    <p:anim calcmode="lin" valueType="num">
+                                      <p:cBhvr additive="base">
+                                        <p:cTn id="27" dur="500" fill="hold"/>
+                                        <p:tgtEl>
+                                          <p:spTgt spid="3">
+                                            <p:txEl>
+                                              <p:pRg st="2" end="2"/>
+                                            </p:txEl>
+                                          </p:spTgt>
+                                        </p:tgtEl>
+                                        <p:attrNameLst>
+                                          <p:attrName>ppt_x</p:attrName>
+                                        </p:attrNameLst>
+                                      </p:cBhvr>
+                                      <p:tavLst>
+                                        <p:tav tm="0">
+                                          <p:val>
+                                            <p:strVal val="#ppt_x"/>
+                                          </p:val>
+                                        </p:tav>
+                                        <p:tav tm="100000">
+                                          <p:val>
+                                            <p:strVal val="#ppt_x"/>
+                                          </p:val>
+                                        </p:tav>
+                                      </p:tavLst>
+                                    </p:anim>
+                                    <p:anim calcmode="lin" valueType="num">
+                                      <p:cBhvr additive="base">
+                                        <p:cTn id="28" dur="500" fill="hold"/>
+                                        <p:tgtEl>
+                                          <p:spTgt spid="3">
+                                            <p:txEl>
+                                              <p:pRg st="2" end="2"/>
+                                            </p:txEl>
+                                          </p:spTgt>
+                                        </p:tgtEl>
+                                        <p:attrNameLst>
+                                          <p:attrName>ppt_y</p:attrName>
+                                        </p:attrNameLst>
+                                      </p:cBhvr>
+                                      <p:tavLst>
+                                        <p:tav tm="0">
+                                          <p:val>
+                                            <p:strVal val="1+#ppt_h/2"/>
+                                          </p:val>
+                                        </p:tav>
+                                        <p:tav tm="100000">
+                                          <p:val>
+                                            <p:strVal val="#ppt_y"/>
+                                          </p:val>
+                                        </p:tav>
+                                      </p:tavLst>
+                                    </p:anim>
+                                  </p:childTnLst>
+                                </p:cTn>
+                              </p:par>
+                              <p:par>
+                                <p:cTn id="29" presetID="2" presetClass="entr" presetSubtype="4" fill="hold" nodeType="withEffect">
+                                  <p:stCondLst>
+                                    <p:cond delay="0"/>
+                                  </p:stCondLst>
+                                  <p:childTnLst>
+                                    <p:set>
+                                      <p:cBhvr>
+                                        <p:cTn id="30" dur="1" fill="hold">
+                                          <p:stCondLst>
+                                            <p:cond delay="0"/>
+                                          </p:stCondLst>
+                                        </p:cTn>
+                                        <p:tgtEl>
+                                          <p:spTgt spid="9"/>
+                                        </p:tgtEl>
+                                        <p:attrNameLst>
+                                          <p:attrName>style.visibility</p:attrName>
+                                        </p:attrNameLst>
+                                      </p:cBhvr>
+                                      <p:to>
+                                        <p:strVal val="visible"/>
+                                      </p:to>
+                                    </p:set>
+                                    <p:anim calcmode="lin" valueType="num">
+                                      <p:cBhvr additive="base">
+                                        <p:cTn id="31" dur="500" fill="hold"/>
+                                        <p:tgtEl>
+                                          <p:spTgt spid="9"/>
+                                        </p:tgtEl>
+                                        <p:attrNameLst>
+                                          <p:attrName>ppt_x</p:attrName>
+                                        </p:attrNameLst>
+                                      </p:cBhvr>
+                                      <p:tavLst>
+                                        <p:tav tm="0">
+                                          <p:val>
+                                            <p:strVal val="#ppt_x"/>
+                                          </p:val>
+                                        </p:tav>
+                                        <p:tav tm="100000">
+                                          <p:val>
+                                            <p:strVal val="#ppt_x"/>
+                                          </p:val>
+                                        </p:tav>
+                                      </p:tavLst>
+                                    </p:anim>
+                                    <p:anim calcmode="lin" valueType="num">
+                                      <p:cBhvr additive="base">
+                                        <p:cTn id="32" dur="500" fill="hold"/>
+                                        <p:tgtEl>
+                                          <p:spTgt spid="9"/>
+                                        </p:tgtEl>
+                                        <p:attrNameLst>
+                                          <p:attrName>ppt_y</p:attrName>
+                                        </p:attrNameLst>
+                                      </p:cBhvr>
+                                      <p:tavLst>
+                                        <p:tav tm="0">
+                                          <p:val>
+                                            <p:strVal val="1+#ppt_h/2"/>
+                                          </p:val>
+                                        </p:tav>
+                                        <p:tav tm="100000">
+                                          <p:val>
+                                            <p:strVal val="#ppt_y"/>
+                                          </p:val>
+                                        </p:tav>
+                                      </p:tavLst>
+                                    </p:anim>
+                                  </p:childTnLst>
+                                </p:cTn>
+                              </p:par>
+                            </p:childTnLst>
+                          </p:cTn>
+                        </p:par>
+                      </p:childTnLst>
+                    </p:cTn>
+                  </p:par>
+                  <p:par>
+                    <p:cTn id="33" fill="hold">
+                      <p:stCondLst>
+                        <p:cond delay="indefinite"/>
+                      </p:stCondLst>
+                      <p:childTnLst>
+                        <p:par>
+                          <p:cTn id="34" fill="hold">
+                            <p:stCondLst>
+                              <p:cond delay="0"/>
+                            </p:stCondLst>
+                            <p:childTnLst>
+                              <p:par>
+                                <p:cTn id="35" presetID="2" presetClass="entr" presetSubtype="4" fill="hold" nodeType="clickEffect">
+                                  <p:stCondLst>
+                                    <p:cond delay="0"/>
+                                  </p:stCondLst>
+                                  <p:childTnLst>
+                                    <p:set>
+                                      <p:cBhvr>
+                                        <p:cTn id="36" dur="1" fill="hold">
+                                          <p:stCondLst>
+                                            <p:cond delay="0"/>
+                                          </p:stCondLst>
+                                        </p:cTn>
+                                        <p:tgtEl>
+                                          <p:spTgt spid="3">
+                                            <p:txEl>
+                                              <p:pRg st="3" end="3"/>
+                                            </p:txEl>
+                                          </p:spTgt>
+                                        </p:tgtEl>
+                                        <p:attrNameLst>
+                                          <p:attrName>style.visibility</p:attrName>
+                                        </p:attrNameLst>
+                                      </p:cBhvr>
+                                      <p:to>
+                                        <p:strVal val="visible"/>
+                                      </p:to>
+                                    </p:set>
+                                    <p:anim calcmode="lin" valueType="num">
+                                      <p:cBhvr additive="base">
+                                        <p:cTn id="37" dur="500" fill="hold"/>
+                                        <p:tgtEl>
+                                          <p:spTgt spid="3">
+                                            <p:txEl>
+                                              <p:pRg st="3" end="3"/>
+                                            </p:txEl>
+                                          </p:spTgt>
+                                        </p:tgtEl>
+                                        <p:attrNameLst>
+                                          <p:attrName>ppt_x</p:attrName>
+                                        </p:attrNameLst>
+                                      </p:cBhvr>
+                                      <p:tavLst>
+                                        <p:tav tm="0">
+                                          <p:val>
+                                            <p:strVal val="#ppt_x"/>
+                                          </p:val>
+                                        </p:tav>
+                                        <p:tav tm="100000">
+                                          <p:val>
+                                            <p:strVal val="#ppt_x"/>
+                                          </p:val>
+                                        </p:tav>
+                                      </p:tavLst>
+                                    </p:anim>
+                                    <p:anim calcmode="lin" valueType="num">
+                                      <p:cBhvr additive="base">
+                                        <p:cTn id="38" dur="500" fill="hold"/>
+                                        <p:tgtEl>
+                                          <p:spTgt spid="3">
+                                            <p:txEl>
+                                              <p:pRg st="3" end="3"/>
+                                            </p:txEl>
+                                          </p:spTgt>
+                                        </p:tgtEl>
+                                        <p:attrNameLst>
+                                          <p:attrName>ppt_y</p:attrName>
+                                        </p:attrNameLst>
+                                      </p:cBhvr>
+                                      <p:tavLst>
+                                        <p:tav tm="0">
+                                          <p:val>
+                                            <p:strVal val="1+#ppt_h/2"/>
+                                          </p:val>
+                                        </p:tav>
+                                        <p:tav tm="100000">
+                                          <p:val>
+                                            <p:strVal val="#ppt_y"/>
+                                          </p:val>
+                                        </p:tav>
+                                      </p:tavLst>
+                                    </p:anim>
+                                  </p:childTnLst>
+                                </p:cTn>
+                              </p:par>
+                              <p:par>
+                                <p:cTn id="39" presetID="2" presetClass="entr" presetSubtype="4" fill="hold" nodeType="withEffect">
+                                  <p:stCondLst>
+                                    <p:cond delay="0"/>
+                                  </p:stCondLst>
+                                  <p:childTnLst>
+                                    <p:set>
+                                      <p:cBhvr>
+                                        <p:cTn id="40" dur="1" fill="hold">
+                                          <p:stCondLst>
+                                            <p:cond delay="0"/>
+                                          </p:stCondLst>
+                                        </p:cTn>
+                                        <p:tgtEl>
+                                          <p:spTgt spid="10"/>
+                                        </p:tgtEl>
+                                        <p:attrNameLst>
+                                          <p:attrName>style.visibility</p:attrName>
+                                        </p:attrNameLst>
+                                      </p:cBhvr>
+                                      <p:to>
+                                        <p:strVal val="visible"/>
+                                      </p:to>
+                                    </p:set>
+                                    <p:anim calcmode="lin" valueType="num">
+                                      <p:cBhvr additive="base">
+                                        <p:cTn id="41" dur="500" fill="hold"/>
+                                        <p:tgtEl>
+                                          <p:spTgt spid="10"/>
+                                        </p:tgtEl>
+                                        <p:attrNameLst>
+                                          <p:attrName>ppt_x</p:attrName>
+                                        </p:attrNameLst>
+                                      </p:cBhvr>
+                                      <p:tavLst>
+                                        <p:tav tm="0">
+                                          <p:val>
+                                            <p:strVal val="#ppt_x"/>
+                                          </p:val>
+                                        </p:tav>
+                                        <p:tav tm="100000">
+                                          <p:val>
+                                            <p:strVal val="#ppt_x"/>
+                                          </p:val>
+                                        </p:tav>
+                                      </p:tavLst>
+                                    </p:anim>
+                                    <p:anim calcmode="lin" valueType="num">
+                                      <p:cBhvr additive="base">
+                                        <p:cTn id="42" dur="500" fill="hold"/>
+                                        <p:tgtEl>
+                                          <p:spTgt spid="10"/>
+                                        </p:tgtEl>
+                                        <p:attrNameLst>
+                                          <p:attrName>ppt_y</p:attrName>
+                                        </p:attrNameLst>
+                                      </p:cBhvr>
+                                      <p:tavLst>
+                                        <p:tav tm="0">
+                                          <p:val>
+                                            <p:strVal val="1+#ppt_h/2"/>
+                                          </p:val>
+                                        </p:tav>
+                                        <p:tav tm="100000">
+                                          <p:val>
+                                            <p:strVal val="#ppt_y"/>
+                                          </p:val>
+                                        </p:tav>
+                                      </p:tavLst>
+                                    </p:anim>
+                                  </p:childTnLst>
+                                </p:cTn>
+                              </p:par>
+                            </p:childTnLst>
+                          </p:cTn>
+                        </p:par>
+                      </p:childTnLst>
+                    </p:cTn>
+                  </p:par>
+                  <p:par>
+                    <p:cTn id="43" fill="hold">
+                      <p:stCondLst>
+                        <p:cond delay="indefinite"/>
+                      </p:stCondLst>
+                      <p:childTnLst>
+                        <p:par>
+                          <p:cTn id="44" fill="hold">
+                            <p:stCondLst>
+                              <p:cond delay="0"/>
+                            </p:stCondLst>
+                            <p:childTnLst>
+                              <p:par>
+                                <p:cTn id="45" presetID="2" presetClass="entr" presetSubtype="4" fill="hold" nodeType="clickEffect">
+                                  <p:stCondLst>
+                                    <p:cond delay="0"/>
+                                  </p:stCondLst>
+                                  <p:childTnLst>
+                                    <p:set>
+                                      <p:cBhvr>
+                                        <p:cTn id="46" dur="1" fill="hold">
+                                          <p:stCondLst>
+                                            <p:cond delay="0"/>
+                                          </p:stCondLst>
+                                        </p:cTn>
+                                        <p:tgtEl>
+                                          <p:spTgt spid="3">
+                                            <p:txEl>
+                                              <p:pRg st="4" end="4"/>
+                                            </p:txEl>
+                                          </p:spTgt>
+                                        </p:tgtEl>
+                                        <p:attrNameLst>
+                                          <p:attrName>style.visibility</p:attrName>
+                                        </p:attrNameLst>
+                                      </p:cBhvr>
+                                      <p:to>
+                                        <p:strVal val="visible"/>
+                                      </p:to>
+                                    </p:set>
+                                    <p:anim calcmode="lin" valueType="num">
+                                      <p:cBhvr additive="base">
+                                        <p:cTn id="47" dur="500" fill="hold"/>
+                                        <p:tgtEl>
+                                          <p:spTgt spid="3">
+                                            <p:txEl>
+                                              <p:pRg st="4" end="4"/>
+                                            </p:txEl>
+                                          </p:spTgt>
+                                        </p:tgtEl>
+                                        <p:attrNameLst>
+                                          <p:attrName>ppt_x</p:attrName>
+                                        </p:attrNameLst>
+                                      </p:cBhvr>
+                                      <p:tavLst>
+                                        <p:tav tm="0">
+                                          <p:val>
+                                            <p:strVal val="#ppt_x"/>
+                                          </p:val>
+                                        </p:tav>
+                                        <p:tav tm="100000">
+                                          <p:val>
+                                            <p:strVal val="#ppt_x"/>
+                                          </p:val>
+                                        </p:tav>
+                                      </p:tavLst>
+                                    </p:anim>
+                                    <p:anim calcmode="lin" valueType="num">
+                                      <p:cBhvr additive="base">
+                                        <p:cTn id="48" dur="500" fill="hold"/>
+                                        <p:tgtEl>
+                                          <p:spTgt spid="3">
+                                            <p:txEl>
+                                              <p:pRg st="4" end="4"/>
+                                            </p:txEl>
+                                          </p:spTgt>
+                                        </p:tgtEl>
+                                        <p:attrNameLst>
+                                          <p:attrName>ppt_y</p:attrName>
+                                        </p:attrNameLst>
+                                      </p:cBhvr>
+                                      <p:tavLst>
+                                        <p:tav tm="0">
+                                          <p:val>
+                                            <p:strVal val="1+#ppt_h/2"/>
+                                          </p:val>
+                                        </p:tav>
+                                        <p:tav tm="100000">
+                                          <p:val>
+                                            <p:strVal val="#ppt_y"/>
+                                          </p:val>
+                                        </p:tav>
+                                      </p:tavLst>
+                                    </p:anim>
+                                  </p:childTnLst>
+                                </p:cTn>
+                              </p:par>
+                              <p:par>
+                                <p:cTn id="49" presetID="2" presetClass="entr" presetSubtype="4" fill="hold" nodeType="withEffect">
+                                  <p:stCondLst>
+                                    <p:cond delay="0"/>
+                                  </p:stCondLst>
+                                  <p:childTnLst>
+                                    <p:set>
+                                      <p:cBhvr>
+                                        <p:cTn id="50" dur="1" fill="hold">
+                                          <p:stCondLst>
+                                            <p:cond delay="0"/>
+                                          </p:stCondLst>
+                                        </p:cTn>
+                                        <p:tgtEl>
+                                          <p:spTgt spid="11"/>
+                                        </p:tgtEl>
+                                        <p:attrNameLst>
+                                          <p:attrName>style.visibility</p:attrName>
+                                        </p:attrNameLst>
+                                      </p:cBhvr>
+                                      <p:to>
+                                        <p:strVal val="visible"/>
+                                      </p:to>
+                                    </p:set>
+                                    <p:anim calcmode="lin" valueType="num">
+                                      <p:cBhvr additive="base">
+                                        <p:cTn id="51" dur="500" fill="hold"/>
+                                        <p:tgtEl>
+                                          <p:spTgt spid="11"/>
+                                        </p:tgtEl>
+                                        <p:attrNameLst>
+                                          <p:attrName>ppt_x</p:attrName>
+                                        </p:attrNameLst>
+                                      </p:cBhvr>
+                                      <p:tavLst>
+                                        <p:tav tm="0">
+                                          <p:val>
+                                            <p:strVal val="#ppt_x"/>
+                                          </p:val>
+                                        </p:tav>
+                                        <p:tav tm="100000">
+                                          <p:val>
+                                            <p:strVal val="#ppt_x"/>
+                                          </p:val>
+                                        </p:tav>
+                                      </p:tavLst>
+                                    </p:anim>
+                                    <p:anim calcmode="lin" valueType="num">
+                                      <p:cBhvr additive="base">
+                                        <p:cTn id="52" dur="500" fill="hold"/>
+                                        <p:tgtEl>
+                                          <p:spTgt spid="11"/>
+                                        </p:tgtEl>
+                                        <p:attrNameLst>
+                                          <p:attrName>ppt_y</p:attrName>
+                                        </p:attrNameLst>
+                                      </p:cBhvr>
+                                      <p:tavLst>
+                                        <p:tav tm="0">
+                                          <p:val>
+                                            <p:strVal val="1+#ppt_h/2"/>
+                                          </p:val>
+                                        </p:tav>
+                                        <p:tav tm="100000">
+                                          <p:val>
+                                            <p:strVal val="#ppt_y"/>
+                                          </p:val>
+                                        </p:tav>
+                                      </p:tavLst>
+                                    </p:anim>
+                                  </p:childTnLst>
+                                </p:cTn>
+                              </p:par>
+                            </p:childTnLst>
+                          </p:cTn>
+                        </p:par>
+                      </p:childTnLst>
+                    </p:cTn>
+                  </p:par>
+                  <p:par>
+                    <p:cTn id="53" fill="hold">
+                      <p:stCondLst>
+                        <p:cond delay="indefinite"/>
+                      </p:stCondLst>
+                      <p:childTnLst>
+                        <p:par>
+                          <p:cTn id="54" fill="hold">
+                            <p:stCondLst>
+                              <p:cond delay="0"/>
+                            </p:stCondLst>
+                            <p:childTnLst>
+                              <p:par>
+                                <p:cTn id="55" presetID="2" presetClass="entr" presetSubtype="4" fill="hold" nodeType="clickEffect">
+                                  <p:stCondLst>
+                                    <p:cond delay="0"/>
+                                  </p:stCondLst>
+                                  <p:childTnLst>
+                                    <p:set>
+                                      <p:cBhvr>
+                                        <p:cTn id="56" dur="1" fill="hold">
+                                          <p:stCondLst>
+                                            <p:cond delay="0"/>
+                                          </p:stCondLst>
+                                        </p:cTn>
+                                        <p:tgtEl>
+                                          <p:spTgt spid="3">
+                                            <p:txEl>
+                                              <p:pRg st="5" end="5"/>
+                                            </p:txEl>
+                                          </p:spTgt>
+                                        </p:tgtEl>
+                                        <p:attrNameLst>
+                                          <p:attrName>style.visibility</p:attrName>
+                                        </p:attrNameLst>
+                                      </p:cBhvr>
+                                      <p:to>
+                                        <p:strVal val="visible"/>
+                                      </p:to>
+                                    </p:set>
+                                    <p:anim calcmode="lin" valueType="num">
+                                      <p:cBhvr additive="base">
+                                        <p:cTn id="57" dur="500" fill="hold"/>
+                                        <p:tgtEl>
+                                          <p:spTgt spid="3">
+                                            <p:txEl>
+                                              <p:pRg st="5" end="5"/>
+                                            </p:txEl>
+                                          </p:spTgt>
+                                        </p:tgtEl>
+                                        <p:attrNameLst>
+                                          <p:attrName>ppt_x</p:attrName>
+                                        </p:attrNameLst>
+                                      </p:cBhvr>
+                                      <p:tavLst>
+                                        <p:tav tm="0">
+                                          <p:val>
+                                            <p:strVal val="#ppt_x"/>
+                                          </p:val>
+                                        </p:tav>
+                                        <p:tav tm="100000">
+                                          <p:val>
+                                            <p:strVal val="#ppt_x"/>
+                                          </p:val>
+                                        </p:tav>
+                                      </p:tavLst>
+                                    </p:anim>
+                                    <p:anim calcmode="lin" valueType="num">
+                                      <p:cBhvr additive="base">
+                                        <p:cTn id="58" dur="500" fill="hold"/>
+                                        <p:tgtEl>
+                                          <p:spTgt spid="3">
+                                            <p:txEl>
+                                              <p:pRg st="5" end="5"/>
+                                            </p:txEl>
+                                          </p:spTgt>
+                                        </p:tgtEl>
+                                        <p:attrNameLst>
+                                          <p:attrName>ppt_y</p:attrName>
+                                        </p:attrNameLst>
+                                      </p:cBhvr>
+                                      <p:tavLst>
+                                        <p:tav tm="0">
+                                          <p:val>
+                                            <p:strVal val="1+#ppt_h/2"/>
+                                          </p:val>
+                                        </p:tav>
+                                        <p:tav tm="100000">
+                                          <p:val>
+                                            <p:strVal val="#ppt_y"/>
+                                          </p:val>
+                                        </p:tav>
+                                      </p:tavLst>
+                                    </p:anim>
+                                  </p:childTnLst>
+                                </p:cTn>
+                              </p:par>
+                              <p:par>
+                                <p:cTn id="59" presetID="2" presetClass="entr" presetSubtype="4" fill="hold" nodeType="withEffect">
+                                  <p:stCondLst>
+                                    <p:cond delay="0"/>
+                                  </p:stCondLst>
+                                  <p:childTnLst>
+                                    <p:set>
+                                      <p:cBhvr>
+                                        <p:cTn id="60" dur="1" fill="hold">
+                                          <p:stCondLst>
+                                            <p:cond delay="0"/>
+                                          </p:stCondLst>
+                                        </p:cTn>
+                                        <p:tgtEl>
+                                          <p:spTgt spid="12"/>
+                                        </p:tgtEl>
+                                        <p:attrNameLst>
+                                          <p:attrName>style.visibility</p:attrName>
+                                        </p:attrNameLst>
+                                      </p:cBhvr>
+                                      <p:to>
+                                        <p:strVal val="visible"/>
+                                      </p:to>
+                                    </p:set>
+                                    <p:anim calcmode="lin" valueType="num">
+                                      <p:cBhvr additive="base">
+                                        <p:cTn id="61" dur="500" fill="hold"/>
+                                        <p:tgtEl>
+                                          <p:spTgt spid="12"/>
+                                        </p:tgtEl>
+                                        <p:attrNameLst>
+                                          <p:attrName>ppt_x</p:attrName>
+                                        </p:attrNameLst>
+                                      </p:cBhvr>
+                                      <p:tavLst>
+                                        <p:tav tm="0">
+                                          <p:val>
+                                            <p:strVal val="#ppt_x"/>
+                                          </p:val>
+                                        </p:tav>
+                                        <p:tav tm="100000">
+                                          <p:val>
+                                            <p:strVal val="#ppt_x"/>
+                                          </p:val>
+                                        </p:tav>
+                                      </p:tavLst>
+                                    </p:anim>
+                                    <p:anim calcmode="lin" valueType="num">
+                                      <p:cBhvr additive="base">
+                                        <p:cTn id="62" dur="500" fill="hold"/>
+                                        <p:tgtEl>
+                                          <p:spTgt spid="12"/>
+                                        </p:tgtEl>
+                                        <p:attrNameLst>
+                                          <p:attrName>ppt_y</p:attrName>
+                                        </p:attrNameLst>
+                                      </p:cBhvr>
+                                      <p:tavLst>
+                                        <p:tav tm="0">
+                                          <p:val>
+                                            <p:strVal val="1+#ppt_h/2"/>
+                                          </p:val>
+                                        </p:tav>
+                                        <p:tav tm="100000">
+                                          <p:val>
+                                            <p:strVal val="#ppt_y"/>
+                                          </p:val>
+                                        </p:tav>
+                                      </p:tavLst>
+                                    </p:anim>
+                                  </p:childTnLst>
+                                </p:cTn>
+                              </p:par>
+                            </p:childTnLst>
+                          </p:cTn>
+                        </p:par>
+                      </p:childTnLst>
+                    </p:cTn>
+                  </p:par>
+                </p:childTnLst>
+              </p:cTn>
+              <p:prevCondLst>
+                <p:cond evt="onPrev" delay="0">
+                  <p:tgtEl>
+                    <p:sldTgt/>
+                  </p:tgtEl>
+                </p:cond>
+              </p:prevCondLst>
+              <p:nextCondLst>
+                <p:cond evt="onNext" delay="0">
+                  <p:tgtEl>
+                    <p:sldTgt/>
+                  </p:tgtEl>
+                </p:cond>
+              </p:nextCondLst>
+            </p:seq>
+          </p:childTnLst>
+        </p:cTn>
       </p:par>
     </p:tnLst>
   </p:timing>

--- a/ACO/Ant Colony Optimization.pptx
+++ b/ACO/Ant Colony Optimization.pptx
@@ -350,7 +350,7 @@
           <a:p>
             <a:fld id="{824A8980-B072-41AE-B4E1-B9A4E900CD01}" type="datetimeFigureOut">
               <a:rPr lang="en-US" smtClean="0"/>
-              <a:t>6/10/2015</a:t>
+              <a:t>6/15/2015</a:t>
             </a:fld>
             <a:endParaRPr lang="en-US"/>
           </a:p>
@@ -558,7 +558,7 @@
           <a:p>
             <a:fld id="{824A8980-B072-41AE-B4E1-B9A4E900CD01}" type="datetimeFigureOut">
               <a:rPr lang="en-US" smtClean="0"/>
-              <a:t>6/10/2015</a:t>
+              <a:t>6/15/2015</a:t>
             </a:fld>
             <a:endParaRPr lang="en-US"/>
           </a:p>
@@ -814,7 +814,7 @@
           <a:p>
             <a:fld id="{824A8980-B072-41AE-B4E1-B9A4E900CD01}" type="datetimeFigureOut">
               <a:rPr lang="en-US" smtClean="0"/>
-              <a:t>6/10/2015</a:t>
+              <a:t>6/15/2015</a:t>
             </a:fld>
             <a:endParaRPr lang="en-US"/>
           </a:p>
@@ -988,7 +988,7 @@
           <a:p>
             <a:fld id="{824A8980-B072-41AE-B4E1-B9A4E900CD01}" type="datetimeFigureOut">
               <a:rPr lang="en-US" smtClean="0"/>
-              <a:t>6/10/2015</a:t>
+              <a:t>6/15/2015</a:t>
             </a:fld>
             <a:endParaRPr lang="en-US"/>
           </a:p>
@@ -1331,7 +1331,7 @@
           <a:p>
             <a:fld id="{824A8980-B072-41AE-B4E1-B9A4E900CD01}" type="datetimeFigureOut">
               <a:rPr lang="en-US" smtClean="0"/>
-              <a:t>6/10/2015</a:t>
+              <a:t>6/15/2015</a:t>
             </a:fld>
             <a:endParaRPr lang="en-US"/>
           </a:p>
@@ -1606,7 +1606,7 @@
           <a:p>
             <a:fld id="{824A8980-B072-41AE-B4E1-B9A4E900CD01}" type="datetimeFigureOut">
               <a:rPr lang="en-US" smtClean="0"/>
-              <a:t>6/10/2015</a:t>
+              <a:t>6/15/2015</a:t>
             </a:fld>
             <a:endParaRPr lang="en-US"/>
           </a:p>
@@ -1985,7 +1985,7 @@
           <a:p>
             <a:fld id="{824A8980-B072-41AE-B4E1-B9A4E900CD01}" type="datetimeFigureOut">
               <a:rPr lang="en-US" smtClean="0"/>
-              <a:t>6/10/2015</a:t>
+              <a:t>6/15/2015</a:t>
             </a:fld>
             <a:endParaRPr lang="en-US"/>
           </a:p>
@@ -2103,7 +2103,7 @@
           <a:p>
             <a:fld id="{824A8980-B072-41AE-B4E1-B9A4E900CD01}" type="datetimeFigureOut">
               <a:rPr lang="en-US" smtClean="0"/>
-              <a:t>6/10/2015</a:t>
+              <a:t>6/15/2015</a:t>
             </a:fld>
             <a:endParaRPr lang="en-US"/>
           </a:p>
@@ -2274,7 +2274,7 @@
           <a:p>
             <a:fld id="{824A8980-B072-41AE-B4E1-B9A4E900CD01}" type="datetimeFigureOut">
               <a:rPr lang="en-US" smtClean="0"/>
-              <a:t>6/10/2015</a:t>
+              <a:t>6/15/2015</a:t>
             </a:fld>
             <a:endParaRPr lang="en-US"/>
           </a:p>
@@ -2628,7 +2628,7 @@
           <a:p>
             <a:fld id="{824A8980-B072-41AE-B4E1-B9A4E900CD01}" type="datetimeFigureOut">
               <a:rPr lang="en-US" smtClean="0"/>
-              <a:t>6/10/2015</a:t>
+              <a:t>6/15/2015</a:t>
             </a:fld>
             <a:endParaRPr lang="en-US"/>
           </a:p>
@@ -3010,7 +3010,7 @@
           <a:p>
             <a:fld id="{824A8980-B072-41AE-B4E1-B9A4E900CD01}" type="datetimeFigureOut">
               <a:rPr lang="en-US" smtClean="0"/>
-              <a:t>6/10/2015</a:t>
+              <a:t>6/15/2015</a:t>
             </a:fld>
             <a:endParaRPr lang="en-US"/>
           </a:p>
@@ -3297,7 +3297,7 @@
           <a:p>
             <a:fld id="{824A8980-B072-41AE-B4E1-B9A4E900CD01}" type="datetimeFigureOut">
               <a:rPr lang="en-US" smtClean="0"/>
-              <a:t>6/10/2015</a:t>
+              <a:t>6/15/2015</a:t>
             </a:fld>
             <a:endParaRPr lang="en-US"/>
           </a:p>
@@ -4109,8 +4109,8 @@
           </a:p>
         </p:txBody>
       </p:sp>
-      <mc:AlternateContent xmlns:mc="http://schemas.openxmlformats.org/markup-compatibility/2006" xmlns:a14="http://schemas.microsoft.com/office/drawing/2010/main">
-        <mc:Choice Requires="a14">
+      <mc:AlternateContent xmlns:mc="http://schemas.openxmlformats.org/markup-compatibility/2006">
+        <mc:Choice xmlns:a14="http://schemas.microsoft.com/office/drawing/2010/main" Requires="a14">
           <p:sp>
             <p:nvSpPr>
               <p:cNvPr id="3" name="Content Placeholder 2"/>
@@ -4262,7 +4262,11 @@
                 </a:pPr>
                 <a:r>
                   <a:rPr lang="pt-BR" sz="2600" dirty="0" smtClean="0"/>
-                  <a:t>Taxa de evaporação [0.3 </a:t>
+                  <a:t>Taxa de evaporação [</a:t>
+                </a:r>
+                <a:r>
+                  <a:rPr lang="pt-BR" sz="2600" dirty="0" smtClean="0"/>
+                  <a:t>0.3, </a:t>
                 </a:r>
                 <a:r>
                   <a:rPr lang="pt-BR" sz="2600" b="1" dirty="0" smtClean="0"/>
@@ -4280,15 +4284,23 @@
                 </a:pPr>
                 <a:r>
                   <a:rPr lang="pt-BR" sz="2600" dirty="0" smtClean="0"/>
-                  <a:t>Taxa de mutação [</a:t>
+                  <a:t>Taxa de mutação </a:t>
                 </a:r>
                 <a:r>
-                  <a:rPr lang="pt-BR" sz="2600" b="1" dirty="0" smtClean="0"/>
-                  <a:t>0.01</a:t>
+                  <a:rPr lang="pt-BR" sz="2600" smtClean="0"/>
+                  <a:t>[</a:t>
+                </a:r>
+                <a:r>
+                  <a:rPr lang="pt-BR" sz="2600" b="1" smtClean="0"/>
+                  <a:t>0.01,</a:t>
+                </a:r>
+                <a:r>
+                  <a:rPr lang="pt-BR" sz="2600" smtClean="0"/>
+                  <a:t> </a:t>
                 </a:r>
                 <a:r>
                   <a:rPr lang="pt-BR" sz="2600" dirty="0" smtClean="0"/>
-                  <a:t> 0.1]</a:t>
+                  <a:t>0.1]</a:t>
                 </a:r>
               </a:p>
               <a:p>
@@ -4329,7 +4341,7 @@
             </p:txBody>
           </p:sp>
         </mc:Choice>
-        <mc:Fallback xmlns="">
+        <mc:Fallback>
           <p:sp>
             <p:nvSpPr>
               <p:cNvPr id="3" name="Content Placeholder 2"/>
@@ -4423,8 +4435,8 @@
           </a:p>
         </p:txBody>
       </p:sp>
-      <mc:AlternateContent xmlns:mc="http://schemas.openxmlformats.org/markup-compatibility/2006">
-        <mc:Choice xmlns:a14="http://schemas.microsoft.com/office/drawing/2010/main" Requires="a14">
+      <mc:AlternateContent xmlns:mc="http://schemas.openxmlformats.org/markup-compatibility/2006" xmlns:a14="http://schemas.microsoft.com/office/drawing/2010/main">
+        <mc:Choice Requires="a14">
           <p:sp>
             <p:nvSpPr>
               <p:cNvPr id="3" name="Content Placeholder 2"/>
@@ -4569,7 +4581,6 @@
                   <a:rPr lang="pt-BR" sz="3000" dirty="0" smtClean="0"/>
                   <a:t>= 0.3</a:t>
                 </a:r>
-                <a:endParaRPr lang="pt-BR" sz="3000" dirty="0" smtClean="0"/>
               </a:p>
               <a:p>
                 <a:pPr lvl="1">
@@ -4595,7 +4606,7 @@
             </p:txBody>
           </p:sp>
         </mc:Choice>
-        <mc:Fallback>
+        <mc:Fallback xmlns="">
           <p:sp>
             <p:nvSpPr>
               <p:cNvPr id="3" name="Content Placeholder 2"/>

--- a/ACO/Ant Colony Optimization.pptx
+++ b/ACO/Ant Colony Optimization.pptx
@@ -15,9 +15,11 @@
     <p:sldId id="264" r:id="rId9"/>
     <p:sldId id="266" r:id="rId10"/>
     <p:sldId id="265" r:id="rId11"/>
-    <p:sldId id="270" r:id="rId12"/>
-    <p:sldId id="268" r:id="rId13"/>
-    <p:sldId id="269" r:id="rId14"/>
+    <p:sldId id="271" r:id="rId12"/>
+    <p:sldId id="272" r:id="rId13"/>
+    <p:sldId id="270" r:id="rId14"/>
+    <p:sldId id="268" r:id="rId15"/>
+    <p:sldId id="269" r:id="rId16"/>
   </p:sldIdLst>
   <p:sldSz cx="12192000" cy="6858000"/>
   <p:notesSz cx="6858000" cy="9144000"/>
@@ -350,7 +352,7 @@
           <a:p>
             <a:fld id="{824A8980-B072-41AE-B4E1-B9A4E900CD01}" type="datetimeFigureOut">
               <a:rPr lang="en-US" smtClean="0"/>
-              <a:t>6/15/2015</a:t>
+              <a:t>6/16/2015</a:t>
             </a:fld>
             <a:endParaRPr lang="en-US"/>
           </a:p>
@@ -558,7 +560,7 @@
           <a:p>
             <a:fld id="{824A8980-B072-41AE-B4E1-B9A4E900CD01}" type="datetimeFigureOut">
               <a:rPr lang="en-US" smtClean="0"/>
-              <a:t>6/15/2015</a:t>
+              <a:t>6/16/2015</a:t>
             </a:fld>
             <a:endParaRPr lang="en-US"/>
           </a:p>
@@ -814,7 +816,7 @@
           <a:p>
             <a:fld id="{824A8980-B072-41AE-B4E1-B9A4E900CD01}" type="datetimeFigureOut">
               <a:rPr lang="en-US" smtClean="0"/>
-              <a:t>6/15/2015</a:t>
+              <a:t>6/16/2015</a:t>
             </a:fld>
             <a:endParaRPr lang="en-US"/>
           </a:p>
@@ -988,7 +990,7 @@
           <a:p>
             <a:fld id="{824A8980-B072-41AE-B4E1-B9A4E900CD01}" type="datetimeFigureOut">
               <a:rPr lang="en-US" smtClean="0"/>
-              <a:t>6/15/2015</a:t>
+              <a:t>6/16/2015</a:t>
             </a:fld>
             <a:endParaRPr lang="en-US"/>
           </a:p>
@@ -1331,7 +1333,7 @@
           <a:p>
             <a:fld id="{824A8980-B072-41AE-B4E1-B9A4E900CD01}" type="datetimeFigureOut">
               <a:rPr lang="en-US" smtClean="0"/>
-              <a:t>6/15/2015</a:t>
+              <a:t>6/16/2015</a:t>
             </a:fld>
             <a:endParaRPr lang="en-US"/>
           </a:p>
@@ -1606,7 +1608,7 @@
           <a:p>
             <a:fld id="{824A8980-B072-41AE-B4E1-B9A4E900CD01}" type="datetimeFigureOut">
               <a:rPr lang="en-US" smtClean="0"/>
-              <a:t>6/15/2015</a:t>
+              <a:t>6/16/2015</a:t>
             </a:fld>
             <a:endParaRPr lang="en-US"/>
           </a:p>
@@ -1985,7 +1987,7 @@
           <a:p>
             <a:fld id="{824A8980-B072-41AE-B4E1-B9A4E900CD01}" type="datetimeFigureOut">
               <a:rPr lang="en-US" smtClean="0"/>
-              <a:t>6/15/2015</a:t>
+              <a:t>6/16/2015</a:t>
             </a:fld>
             <a:endParaRPr lang="en-US"/>
           </a:p>
@@ -2103,7 +2105,7 @@
           <a:p>
             <a:fld id="{824A8980-B072-41AE-B4E1-B9A4E900CD01}" type="datetimeFigureOut">
               <a:rPr lang="en-US" smtClean="0"/>
-              <a:t>6/15/2015</a:t>
+              <a:t>6/16/2015</a:t>
             </a:fld>
             <a:endParaRPr lang="en-US"/>
           </a:p>
@@ -2274,7 +2276,7 @@
           <a:p>
             <a:fld id="{824A8980-B072-41AE-B4E1-B9A4E900CD01}" type="datetimeFigureOut">
               <a:rPr lang="en-US" smtClean="0"/>
-              <a:t>6/15/2015</a:t>
+              <a:t>6/16/2015</a:t>
             </a:fld>
             <a:endParaRPr lang="en-US"/>
           </a:p>
@@ -2628,7 +2630,7 @@
           <a:p>
             <a:fld id="{824A8980-B072-41AE-B4E1-B9A4E900CD01}" type="datetimeFigureOut">
               <a:rPr lang="en-US" smtClean="0"/>
-              <a:t>6/15/2015</a:t>
+              <a:t>6/16/2015</a:t>
             </a:fld>
             <a:endParaRPr lang="en-US"/>
           </a:p>
@@ -3010,7 +3012,7 @@
           <a:p>
             <a:fld id="{824A8980-B072-41AE-B4E1-B9A4E900CD01}" type="datetimeFigureOut">
               <a:rPr lang="en-US" smtClean="0"/>
-              <a:t>6/15/2015</a:t>
+              <a:t>6/16/2015</a:t>
             </a:fld>
             <a:endParaRPr lang="en-US"/>
           </a:p>
@@ -3297,7 +3299,7 @@
           <a:p>
             <a:fld id="{824A8980-B072-41AE-B4E1-B9A4E900CD01}" type="datetimeFigureOut">
               <a:rPr lang="en-US" smtClean="0"/>
-              <a:t>6/15/2015</a:t>
+              <a:t>6/16/2015</a:t>
             </a:fld>
             <a:endParaRPr lang="en-US"/>
           </a:p>
@@ -4103,14 +4105,348 @@
           <a:p>
             <a:r>
               <a:rPr lang="pt-BR" dirty="0" smtClean="0"/>
+              <a:t>Modelagem e implementação</a:t>
+            </a:r>
+            <a:endParaRPr lang="en-US" dirty="0"/>
+          </a:p>
+        </p:txBody>
+      </p:sp>
+      <p:sp>
+        <p:nvSpPr>
+          <p:cNvPr id="3" name="Content Placeholder 2"/>
+          <p:cNvSpPr>
+            <a:spLocks noGrp="1"/>
+          </p:cNvSpPr>
+          <p:nvPr>
+            <p:ph idx="1"/>
+          </p:nvPr>
+        </p:nvSpPr>
+        <p:spPr/>
+        <p:txBody>
+          <a:bodyPr/>
+          <a:lstStyle/>
+          <a:p>
+            <a:pPr lvl="1">
+              <a:buFont typeface="Arial" panose="020B0604020202020204" pitchFamily="34" charset="0"/>
+              <a:buChar char="•"/>
+            </a:pPr>
+            <a:r>
+              <a:rPr lang="pt-BR" sz="3000" dirty="0" err="1" smtClean="0"/>
+              <a:t>ConstructSolution</a:t>
+            </a:r>
+            <a:r>
+              <a:rPr lang="pt-BR" sz="3000" dirty="0" smtClean="0"/>
+              <a:t>(T)</a:t>
+            </a:r>
+            <a:endParaRPr lang="pt-BR" sz="3000" dirty="0" smtClean="0"/>
+          </a:p>
+          <a:p>
+            <a:pPr lvl="1">
+              <a:buFont typeface="Arial" panose="020B0604020202020204" pitchFamily="34" charset="0"/>
+              <a:buChar char="•"/>
+            </a:pPr>
+            <a:endParaRPr lang="pt-BR" sz="3000" dirty="0" smtClean="0"/>
+          </a:p>
+          <a:p>
+            <a:pPr lvl="1">
+              <a:buFont typeface="Arial" panose="020B0604020202020204" pitchFamily="34" charset="0"/>
+              <a:buChar char="•"/>
+            </a:pPr>
+            <a:endParaRPr lang="pt-BR" sz="3000" dirty="0" smtClean="0"/>
+          </a:p>
+          <a:p>
+            <a:pPr lvl="1">
+              <a:buFont typeface="Arial" panose="020B0604020202020204" pitchFamily="34" charset="0"/>
+              <a:buChar char="•"/>
+            </a:pPr>
+            <a:endParaRPr lang="pt-BR" sz="3000" dirty="0" smtClean="0"/>
+          </a:p>
+          <a:p>
+            <a:pPr lvl="1">
+              <a:buFont typeface="Arial" panose="020B0604020202020204" pitchFamily="34" charset="0"/>
+              <a:buChar char="•"/>
+            </a:pPr>
+            <a:endParaRPr lang="pt-BR" sz="2600" dirty="0" smtClean="0"/>
+          </a:p>
+          <a:p>
+            <a:pPr lvl="1">
+              <a:buFont typeface="Arial" panose="020B0604020202020204" pitchFamily="34" charset="0"/>
+              <a:buChar char="•"/>
+            </a:pPr>
+            <a:endParaRPr lang="pt-BR" sz="3000" dirty="0" smtClean="0"/>
+          </a:p>
+          <a:p>
+            <a:pPr lvl="1">
+              <a:buFont typeface="Arial" panose="020B0604020202020204" pitchFamily="34" charset="0"/>
+              <a:buChar char="•"/>
+            </a:pPr>
+            <a:endParaRPr lang="en-US" sz="3000" dirty="0"/>
+          </a:p>
+        </p:txBody>
+      </p:sp>
+      <p:pic>
+        <p:nvPicPr>
+          <p:cNvPr id="5" name="Picture 4"/>
+          <p:cNvPicPr>
+            <a:picLocks noChangeAspect="1"/>
+          </p:cNvPicPr>
+          <p:nvPr/>
+        </p:nvPicPr>
+        <p:blipFill>
+          <a:blip r:embed="rId2">
+            <a:extLst>
+              <a:ext uri="{28A0092B-C50C-407E-A947-70E740481C1C}">
+                <a14:useLocalDpi xmlns:a14="http://schemas.microsoft.com/office/drawing/2010/main" val="0"/>
+              </a:ext>
+            </a:extLst>
+          </a:blip>
+          <a:stretch>
+            <a:fillRect/>
+          </a:stretch>
+        </p:blipFill>
+        <p:spPr>
+          <a:xfrm>
+            <a:off x="2412609" y="2558904"/>
+            <a:ext cx="7427742" cy="3310190"/>
+          </a:xfrm>
+          <a:prstGeom prst="rect">
+            <a:avLst/>
+          </a:prstGeom>
+        </p:spPr>
+      </p:pic>
+    </p:spTree>
+    <p:extLst>
+      <p:ext uri="{BB962C8B-B14F-4D97-AF65-F5344CB8AC3E}">
+        <p14:creationId xmlns:p14="http://schemas.microsoft.com/office/powerpoint/2010/main" val="1716634004"/>
+      </p:ext>
+    </p:extLst>
+  </p:cSld>
+  <p:clrMapOvr>
+    <a:masterClrMapping/>
+  </p:clrMapOvr>
+  <p:timing>
+    <p:tnLst>
+      <p:par>
+        <p:cTn id="1" dur="indefinite" restart="never" nodeType="tmRoot"/>
+      </p:par>
+    </p:tnLst>
+  </p:timing>
+</p:sld>
+</file>
+
+<file path=ppt/slides/slide12.xml><?xml version="1.0" encoding="utf-8"?>
+<p:sld xmlns:a="http://schemas.openxmlformats.org/drawingml/2006/main" xmlns:r="http://schemas.openxmlformats.org/officeDocument/2006/relationships" xmlns:p="http://schemas.openxmlformats.org/presentationml/2006/main">
+  <p:cSld>
+    <p:spTree>
+      <p:nvGrpSpPr>
+        <p:cNvPr id="1" name=""/>
+        <p:cNvGrpSpPr/>
+        <p:nvPr/>
+      </p:nvGrpSpPr>
+      <p:grpSpPr>
+        <a:xfrm>
+          <a:off x="0" y="0"/>
+          <a:ext cx="0" cy="0"/>
+          <a:chOff x="0" y="0"/>
+          <a:chExt cx="0" cy="0"/>
+        </a:xfrm>
+      </p:grpSpPr>
+      <p:sp>
+        <p:nvSpPr>
+          <p:cNvPr id="2" name="Title 1"/>
+          <p:cNvSpPr>
+            <a:spLocks noGrp="1"/>
+          </p:cNvSpPr>
+          <p:nvPr>
+            <p:ph type="title"/>
+          </p:nvPr>
+        </p:nvSpPr>
+        <p:spPr/>
+        <p:txBody>
+          <a:bodyPr/>
+          <a:lstStyle/>
+          <a:p>
+            <a:r>
+              <a:rPr lang="pt-BR" dirty="0" smtClean="0"/>
+              <a:t>Modelagem e implementação</a:t>
+            </a:r>
+            <a:endParaRPr lang="en-US" dirty="0"/>
+          </a:p>
+        </p:txBody>
+      </p:sp>
+      <p:sp>
+        <p:nvSpPr>
+          <p:cNvPr id="3" name="Content Placeholder 2"/>
+          <p:cNvSpPr>
+            <a:spLocks noGrp="1"/>
+          </p:cNvSpPr>
+          <p:nvPr>
+            <p:ph idx="1"/>
+          </p:nvPr>
+        </p:nvSpPr>
+        <p:spPr/>
+        <p:txBody>
+          <a:bodyPr/>
+          <a:lstStyle/>
+          <a:p>
+            <a:pPr lvl="1">
+              <a:buFont typeface="Arial" panose="020B0604020202020204" pitchFamily="34" charset="0"/>
+              <a:buChar char="•"/>
+            </a:pPr>
+            <a:r>
+              <a:rPr lang="pt-BR" sz="3000" dirty="0" err="1" smtClean="0"/>
+              <a:t>ApplyPheromoneUpdate</a:t>
+            </a:r>
+            <a:r>
+              <a:rPr lang="pt-BR" sz="3000" dirty="0" smtClean="0"/>
+              <a:t>(</a:t>
+            </a:r>
+            <a:r>
+              <a:rPr lang="pt-BR" sz="3000" dirty="0" err="1" smtClean="0"/>
+              <a:t>T,Siter,sbs</a:t>
+            </a:r>
+            <a:r>
+              <a:rPr lang="pt-BR" sz="3000" dirty="0" smtClean="0"/>
+              <a:t>)</a:t>
+            </a:r>
+            <a:endParaRPr lang="pt-BR" sz="3000" dirty="0" smtClean="0"/>
+          </a:p>
+          <a:p>
+            <a:pPr lvl="1">
+              <a:buFont typeface="Arial" panose="020B0604020202020204" pitchFamily="34" charset="0"/>
+              <a:buChar char="•"/>
+            </a:pPr>
+            <a:endParaRPr lang="pt-BR" sz="3000" dirty="0" smtClean="0"/>
+          </a:p>
+          <a:p>
+            <a:pPr lvl="1">
+              <a:buFont typeface="Arial" panose="020B0604020202020204" pitchFamily="34" charset="0"/>
+              <a:buChar char="•"/>
+            </a:pPr>
+            <a:endParaRPr lang="pt-BR" sz="3000" dirty="0" smtClean="0"/>
+          </a:p>
+          <a:p>
+            <a:pPr lvl="1">
+              <a:buFont typeface="Arial" panose="020B0604020202020204" pitchFamily="34" charset="0"/>
+              <a:buChar char="•"/>
+            </a:pPr>
+            <a:endParaRPr lang="pt-BR" sz="3000" dirty="0" smtClean="0"/>
+          </a:p>
+          <a:p>
+            <a:pPr lvl="1">
+              <a:buFont typeface="Arial" panose="020B0604020202020204" pitchFamily="34" charset="0"/>
+              <a:buChar char="•"/>
+            </a:pPr>
+            <a:endParaRPr lang="pt-BR" sz="2600" dirty="0" smtClean="0"/>
+          </a:p>
+          <a:p>
+            <a:pPr lvl="1">
+              <a:buFont typeface="Arial" panose="020B0604020202020204" pitchFamily="34" charset="0"/>
+              <a:buChar char="•"/>
+            </a:pPr>
+            <a:endParaRPr lang="pt-BR" sz="3000" dirty="0" smtClean="0"/>
+          </a:p>
+          <a:p>
+            <a:pPr lvl="1">
+              <a:buFont typeface="Arial" panose="020B0604020202020204" pitchFamily="34" charset="0"/>
+              <a:buChar char="•"/>
+            </a:pPr>
+            <a:endParaRPr lang="en-US" sz="3000" dirty="0"/>
+          </a:p>
+        </p:txBody>
+      </p:sp>
+      <p:pic>
+        <p:nvPicPr>
+          <p:cNvPr id="4" name="Picture 3"/>
+          <p:cNvPicPr>
+            <a:picLocks noChangeAspect="1"/>
+          </p:cNvPicPr>
+          <p:nvPr/>
+        </p:nvPicPr>
+        <p:blipFill>
+          <a:blip r:embed="rId2">
+            <a:extLst>
+              <a:ext uri="{28A0092B-C50C-407E-A947-70E740481C1C}">
+                <a14:useLocalDpi xmlns:a14="http://schemas.microsoft.com/office/drawing/2010/main" val="0"/>
+              </a:ext>
+            </a:extLst>
+          </a:blip>
+          <a:stretch>
+            <a:fillRect/>
+          </a:stretch>
+        </p:blipFill>
+        <p:spPr>
+          <a:xfrm>
+            <a:off x="2805137" y="2515380"/>
+            <a:ext cx="6642685" cy="3353714"/>
+          </a:xfrm>
+          <a:prstGeom prst="rect">
+            <a:avLst/>
+          </a:prstGeom>
+        </p:spPr>
+      </p:pic>
+    </p:spTree>
+    <p:extLst>
+      <p:ext uri="{BB962C8B-B14F-4D97-AF65-F5344CB8AC3E}">
+        <p14:creationId xmlns:p14="http://schemas.microsoft.com/office/powerpoint/2010/main" val="2073358965"/>
+      </p:ext>
+    </p:extLst>
+  </p:cSld>
+  <p:clrMapOvr>
+    <a:masterClrMapping/>
+  </p:clrMapOvr>
+  <p:timing>
+    <p:tnLst>
+      <p:par>
+        <p:cTn id="1" dur="indefinite" restart="never" nodeType="tmRoot"/>
+      </p:par>
+    </p:tnLst>
+  </p:timing>
+</p:sld>
+</file>
+
+<file path=ppt/slides/slide13.xml><?xml version="1.0" encoding="utf-8"?>
+<p:sld xmlns:a="http://schemas.openxmlformats.org/drawingml/2006/main" xmlns:r="http://schemas.openxmlformats.org/officeDocument/2006/relationships" xmlns:p="http://schemas.openxmlformats.org/presentationml/2006/main">
+  <p:cSld>
+    <p:spTree>
+      <p:nvGrpSpPr>
+        <p:cNvPr id="1" name=""/>
+        <p:cNvGrpSpPr/>
+        <p:nvPr/>
+      </p:nvGrpSpPr>
+      <p:grpSpPr>
+        <a:xfrm>
+          <a:off x="0" y="0"/>
+          <a:ext cx="0" cy="0"/>
+          <a:chOff x="0" y="0"/>
+          <a:chExt cx="0" cy="0"/>
+        </a:xfrm>
+      </p:grpSpPr>
+      <p:sp>
+        <p:nvSpPr>
+          <p:cNvPr id="2" name="Title 1"/>
+          <p:cNvSpPr>
+            <a:spLocks noGrp="1"/>
+          </p:cNvSpPr>
+          <p:nvPr>
+            <p:ph type="title"/>
+          </p:nvPr>
+        </p:nvSpPr>
+        <p:spPr/>
+        <p:txBody>
+          <a:bodyPr/>
+          <a:lstStyle/>
+          <a:p>
+            <a:r>
+              <a:rPr lang="pt-BR" dirty="0" smtClean="0"/>
               <a:t>Resultados</a:t>
             </a:r>
             <a:endParaRPr lang="en-US" dirty="0"/>
           </a:p>
         </p:txBody>
       </p:sp>
-      <mc:AlternateContent xmlns:mc="http://schemas.openxmlformats.org/markup-compatibility/2006">
-        <mc:Choice xmlns:a14="http://schemas.microsoft.com/office/drawing/2010/main" Requires="a14">
+      <mc:AlternateContent xmlns:mc="http://schemas.openxmlformats.org/markup-compatibility/2006" xmlns:a14="http://schemas.microsoft.com/office/drawing/2010/main">
+        <mc:Choice Requires="a14">
           <p:sp>
             <p:nvSpPr>
               <p:cNvPr id="3" name="Content Placeholder 2"/>
@@ -4262,11 +4598,7 @@
                 </a:pPr>
                 <a:r>
                   <a:rPr lang="pt-BR" sz="2600" dirty="0" smtClean="0"/>
-                  <a:t>Taxa de evaporação [</a:t>
-                </a:r>
-                <a:r>
-                  <a:rPr lang="pt-BR" sz="2600" dirty="0" smtClean="0"/>
-                  <a:t>0.3, </a:t>
+                  <a:t>Taxa de evaporação [0.3, </a:t>
                 </a:r>
                 <a:r>
                   <a:rPr lang="pt-BR" sz="2600" b="1" dirty="0" smtClean="0"/>
@@ -4341,7 +4673,7 @@
             </p:txBody>
           </p:sp>
         </mc:Choice>
-        <mc:Fallback>
+        <mc:Fallback xmlns="">
           <p:sp>
             <p:nvSpPr>
               <p:cNvPr id="3" name="Content Placeholder 2"/>
@@ -4395,7 +4727,7 @@
 </p:sld>
 </file>
 
-<file path=ppt/slides/slide12.xml><?xml version="1.0" encoding="utf-8"?>
+<file path=ppt/slides/slide14.xml><?xml version="1.0" encoding="utf-8"?>
 <p:sld xmlns:a="http://schemas.openxmlformats.org/drawingml/2006/main" xmlns:r="http://schemas.openxmlformats.org/officeDocument/2006/relationships" xmlns:p="http://schemas.openxmlformats.org/presentationml/2006/main">
   <p:cSld>
     <p:spTree>
@@ -5919,7 +6251,7 @@
 </p:sld>
 </file>
 
-<file path=ppt/slides/slide13.xml><?xml version="1.0" encoding="utf-8"?>
+<file path=ppt/slides/slide15.xml><?xml version="1.0" encoding="utf-8"?>
 <p:sld xmlns:a="http://schemas.openxmlformats.org/drawingml/2006/main" xmlns:r="http://schemas.openxmlformats.org/officeDocument/2006/relationships" xmlns:p="http://schemas.openxmlformats.org/presentationml/2006/main">
   <p:cSld>
     <p:spTree>
